--- a/2021/hafta_6.pptx
+++ b/2021/hafta_6.pptx
@@ -112,6 +112,11 @@
       </a:defRPr>
     </a:lvl9pPr>
   </p:defaultTextStyle>
+  <p:extLst>
+    <p:ext uri="{EFAFB233-063F-42B5-8137-9DF3F51BA10A}">
+      <p15:sldGuideLst xmlns:p15="http://schemas.microsoft.com/office/powerpoint/2012/main"/>
+    </p:ext>
+  </p:extLst>
 </p:presentation>
 </file>
 
@@ -271,7 +276,7 @@
           <a:p>
             <a:fld id="{02AC24A9-CCB6-4F8D-B8DB-C2F3692CFA5A}" type="datetimeFigureOut">
               <a:rPr lang="en-US" smtClean="0"/>
-              <a:t>10/27/2021</a:t>
+              <a:t>11/16/2022</a:t>
             </a:fld>
             <a:endParaRPr lang="en-US" dirty="0"/>
           </a:p>
@@ -641,7 +646,7 @@
           <a:p>
             <a:fld id="{02AC24A9-CCB6-4F8D-B8DB-C2F3692CFA5A}" type="datetimeFigureOut">
               <a:rPr lang="en-US" smtClean="0"/>
-              <a:t>10/27/2021</a:t>
+              <a:t>11/16/2022</a:t>
             </a:fld>
             <a:endParaRPr lang="en-US"/>
           </a:p>
@@ -850,7 +855,7 @@
           <a:p>
             <a:fld id="{02AC24A9-CCB6-4F8D-B8DB-C2F3692CFA5A}" type="datetimeFigureOut">
               <a:rPr lang="en-US" smtClean="0"/>
-              <a:t>10/27/2021</a:t>
+              <a:t>11/16/2022</a:t>
             </a:fld>
             <a:endParaRPr lang="en-US"/>
           </a:p>
@@ -1320,7 +1325,7 @@
           <a:p>
             <a:fld id="{02AC24A9-CCB6-4F8D-B8DB-C2F3692CFA5A}" type="datetimeFigureOut">
               <a:rPr lang="en-US" smtClean="0"/>
-              <a:t>10/27/2021</a:t>
+              <a:t>11/16/2022</a:t>
             </a:fld>
             <a:endParaRPr lang="en-US"/>
           </a:p>
@@ -1774,7 +1779,7 @@
           <a:p>
             <a:fld id="{02AC24A9-CCB6-4F8D-B8DB-C2F3692CFA5A}" type="datetimeFigureOut">
               <a:rPr lang="en-US" smtClean="0"/>
-              <a:t>10/27/2021</a:t>
+              <a:t>11/16/2022</a:t>
             </a:fld>
             <a:endParaRPr lang="en-US"/>
           </a:p>
@@ -2306,7 +2311,7 @@
           <a:p>
             <a:fld id="{02AC24A9-CCB6-4F8D-B8DB-C2F3692CFA5A}" type="datetimeFigureOut">
               <a:rPr lang="en-US" smtClean="0"/>
-              <a:t>10/27/2021</a:t>
+              <a:t>11/16/2022</a:t>
             </a:fld>
             <a:endParaRPr lang="en-US"/>
           </a:p>
@@ -3005,7 +3010,7 @@
           <a:p>
             <a:fld id="{02AC24A9-CCB6-4F8D-B8DB-C2F3692CFA5A}" type="datetimeFigureOut">
               <a:rPr lang="en-US" smtClean="0"/>
-              <a:t>10/27/2021</a:t>
+              <a:t>11/16/2022</a:t>
             </a:fld>
             <a:endParaRPr lang="en-US"/>
           </a:p>
@@ -3334,7 +3339,7 @@
           <a:p>
             <a:fld id="{02AC24A9-CCB6-4F8D-B8DB-C2F3692CFA5A}" type="datetimeFigureOut">
               <a:rPr lang="en-US" smtClean="0"/>
-              <a:t>10/27/2021</a:t>
+              <a:t>11/16/2022</a:t>
             </a:fld>
             <a:endParaRPr lang="en-US"/>
           </a:p>
@@ -3447,7 +3452,7 @@
           <a:p>
             <a:fld id="{02AC24A9-CCB6-4F8D-B8DB-C2F3692CFA5A}" type="datetimeFigureOut">
               <a:rPr lang="en-US" smtClean="0"/>
-              <a:t>10/27/2021</a:t>
+              <a:t>11/16/2022</a:t>
             </a:fld>
             <a:endParaRPr lang="en-US"/>
           </a:p>
@@ -3942,7 +3947,7 @@
           <a:p>
             <a:fld id="{02AC24A9-CCB6-4F8D-B8DB-C2F3692CFA5A}" type="datetimeFigureOut">
               <a:rPr lang="en-US" smtClean="0"/>
-              <a:t>10/27/2021</a:t>
+              <a:t>11/16/2022</a:t>
             </a:fld>
             <a:endParaRPr lang="en-US" dirty="0"/>
           </a:p>
@@ -4419,7 +4424,7 @@
           <a:p>
             <a:fld id="{02AC24A9-CCB6-4F8D-B8DB-C2F3692CFA5A}" type="datetimeFigureOut">
               <a:rPr lang="en-US" smtClean="0"/>
-              <a:t>10/27/2021</a:t>
+              <a:t>11/16/2022</a:t>
             </a:fld>
             <a:endParaRPr lang="en-US"/>
           </a:p>
@@ -4662,7 +4667,7 @@
           <a:p>
             <a:fld id="{02AC24A9-CCB6-4F8D-B8DB-C2F3692CFA5A}" type="datetimeFigureOut">
               <a:rPr lang="en-US" smtClean="0"/>
-              <a:t>10/27/2021</a:t>
+              <a:t>11/16/2022</a:t>
             </a:fld>
             <a:endParaRPr lang="en-US"/>
           </a:p>
